--- a/簡報/07_賴彥廷_成發簡報.pptx
+++ b/簡報/07_賴彥廷_成發簡報.pptx
@@ -538,7 +538,7 @@
           <a:p>
             <a:fld id="{22C6A78A-30B0-4E89-A598-CD8E7107BD21}" type="datetimeFigureOut">
               <a:rPr lang="zh-TW" altLang="en-US" smtClean="0"/>
-              <a:t>2024/1/22</a:t>
+              <a:t>2024/1/26</a:t>
             </a:fld>
             <a:endParaRPr lang="zh-TW" altLang="en-US"/>
           </a:p>
@@ -717,7 +717,7 @@
           <a:p>
             <a:fld id="{22C6A78A-30B0-4E89-A598-CD8E7107BD21}" type="datetimeFigureOut">
               <a:rPr lang="zh-TW" altLang="en-US" smtClean="0"/>
-              <a:t>2024/1/22</a:t>
+              <a:t>2024/1/26</a:t>
             </a:fld>
             <a:endParaRPr lang="zh-TW" altLang="en-US"/>
           </a:p>
@@ -897,7 +897,7 @@
           <a:p>
             <a:fld id="{22C6A78A-30B0-4E89-A598-CD8E7107BD21}" type="datetimeFigureOut">
               <a:rPr lang="zh-TW" altLang="en-US" smtClean="0"/>
-              <a:t>2024/1/22</a:t>
+              <a:t>2024/1/26</a:t>
             </a:fld>
             <a:endParaRPr lang="zh-TW" altLang="en-US"/>
           </a:p>
@@ -1067,7 +1067,7 @@
           <a:p>
             <a:fld id="{22C6A78A-30B0-4E89-A598-CD8E7107BD21}" type="datetimeFigureOut">
               <a:rPr lang="zh-TW" altLang="en-US" smtClean="0"/>
-              <a:t>2024/1/22</a:t>
+              <a:t>2024/1/26</a:t>
             </a:fld>
             <a:endParaRPr lang="zh-TW" altLang="en-US"/>
           </a:p>
@@ -1380,7 +1380,7 @@
           <a:p>
             <a:fld id="{22C6A78A-30B0-4E89-A598-CD8E7107BD21}" type="datetimeFigureOut">
               <a:rPr lang="zh-TW" altLang="en-US" smtClean="0"/>
-              <a:t>2024/1/22</a:t>
+              <a:t>2024/1/26</a:t>
             </a:fld>
             <a:endParaRPr lang="zh-TW" altLang="en-US"/>
           </a:p>
@@ -1766,7 +1766,7 @@
           <a:p>
             <a:fld id="{22C6A78A-30B0-4E89-A598-CD8E7107BD21}" type="datetimeFigureOut">
               <a:rPr lang="zh-TW" altLang="en-US" smtClean="0"/>
-              <a:t>2024/1/22</a:t>
+              <a:t>2024/1/26</a:t>
             </a:fld>
             <a:endParaRPr lang="zh-TW" altLang="en-US"/>
           </a:p>
@@ -2200,7 +2200,7 @@
           <a:p>
             <a:fld id="{22C6A78A-30B0-4E89-A598-CD8E7107BD21}" type="datetimeFigureOut">
               <a:rPr lang="zh-TW" altLang="en-US" smtClean="0"/>
-              <a:t>2024/1/22</a:t>
+              <a:t>2024/1/26</a:t>
             </a:fld>
             <a:endParaRPr lang="zh-TW" altLang="en-US"/>
           </a:p>
@@ -2318,7 +2318,7 @@
           <a:p>
             <a:fld id="{22C6A78A-30B0-4E89-A598-CD8E7107BD21}" type="datetimeFigureOut">
               <a:rPr lang="zh-TW" altLang="en-US" smtClean="0"/>
-              <a:t>2024/1/22</a:t>
+              <a:t>2024/1/26</a:t>
             </a:fld>
             <a:endParaRPr lang="zh-TW" altLang="en-US"/>
           </a:p>
@@ -2413,7 +2413,7 @@
           <a:p>
             <a:fld id="{22C6A78A-30B0-4E89-A598-CD8E7107BD21}" type="datetimeFigureOut">
               <a:rPr lang="zh-TW" altLang="en-US" smtClean="0"/>
-              <a:t>2024/1/22</a:t>
+              <a:t>2024/1/26</a:t>
             </a:fld>
             <a:endParaRPr lang="zh-TW" altLang="en-US"/>
           </a:p>
@@ -2763,7 +2763,7 @@
           <a:p>
             <a:fld id="{22C6A78A-30B0-4E89-A598-CD8E7107BD21}" type="datetimeFigureOut">
               <a:rPr lang="zh-TW" altLang="en-US" smtClean="0"/>
-              <a:t>2024/1/22</a:t>
+              <a:t>2024/1/26</a:t>
             </a:fld>
             <a:endParaRPr lang="zh-TW" altLang="en-US"/>
           </a:p>
@@ -3188,7 +3188,7 @@
           <a:p>
             <a:fld id="{22C6A78A-30B0-4E89-A598-CD8E7107BD21}" type="datetimeFigureOut">
               <a:rPr lang="zh-TW" altLang="en-US" smtClean="0"/>
-              <a:t>2024/1/22</a:t>
+              <a:t>2024/1/26</a:t>
             </a:fld>
             <a:endParaRPr lang="zh-TW" altLang="en-US"/>
           </a:p>
@@ -3469,7 +3469,7 @@
           <a:p>
             <a:fld id="{22C6A78A-30B0-4E89-A598-CD8E7107BD21}" type="datetimeFigureOut">
               <a:rPr lang="zh-TW" altLang="en-US" smtClean="0"/>
-              <a:t>2024/1/22</a:t>
+              <a:t>2024/1/26</a:t>
             </a:fld>
             <a:endParaRPr lang="zh-TW" altLang="en-US"/>
           </a:p>
@@ -4176,6 +4176,60 @@
           </a:xfrm>
         </p:spPr>
       </p:pic>
+      <p:sp>
+        <p:nvSpPr>
+          <p:cNvPr id="3" name="箭號: 向右 2">
+            <a:extLst>
+              <a:ext uri="{FF2B5EF4-FFF2-40B4-BE49-F238E27FC236}">
+                <a16:creationId xmlns:a16="http://schemas.microsoft.com/office/drawing/2014/main" id="{DFA6616F-23A2-4723-A797-387EC586ADDD}"/>
+              </a:ext>
+            </a:extLst>
+          </p:cNvPr>
+          <p:cNvSpPr/>
+          <p:nvPr/>
+        </p:nvSpPr>
+        <p:spPr>
+          <a:xfrm rot="5400000">
+            <a:off x="2148398" y="2095131"/>
+            <a:ext cx="408370" cy="284086"/>
+          </a:xfrm>
+          <a:prstGeom prst="rightArrow">
+            <a:avLst/>
+          </a:prstGeom>
+          <a:solidFill>
+            <a:srgbClr val="00B050"/>
+          </a:solidFill>
+          <a:ln>
+            <a:solidFill>
+              <a:schemeClr val="tx1"/>
+            </a:solidFill>
+          </a:ln>
+        </p:spPr>
+        <p:style>
+          <a:lnRef idx="2">
+            <a:schemeClr val="accent1">
+              <a:shade val="50000"/>
+            </a:schemeClr>
+          </a:lnRef>
+          <a:fillRef idx="1">
+            <a:schemeClr val="accent1"/>
+          </a:fillRef>
+          <a:effectRef idx="0">
+            <a:schemeClr val="accent1"/>
+          </a:effectRef>
+          <a:fontRef idx="minor">
+            <a:schemeClr val="lt1"/>
+          </a:fontRef>
+        </p:style>
+        <p:txBody>
+          <a:bodyPr rtlCol="0" anchor="ctr"/>
+          <a:lstStyle/>
+          <a:p>
+            <a:pPr algn="ctr"/>
+            <a:endParaRPr lang="zh-TW" altLang="en-US"/>
+          </a:p>
+        </p:txBody>
+      </p:sp>
     </p:spTree>
     <p:extLst>
       <p:ext uri="{BB962C8B-B14F-4D97-AF65-F5344CB8AC3E}">
@@ -4306,6 +4360,60 @@
           </a:xfrm>
         </p:spPr>
       </p:pic>
+      <p:sp>
+        <p:nvSpPr>
+          <p:cNvPr id="3" name="箭號: 向右 2">
+            <a:extLst>
+              <a:ext uri="{FF2B5EF4-FFF2-40B4-BE49-F238E27FC236}">
+                <a16:creationId xmlns:a16="http://schemas.microsoft.com/office/drawing/2014/main" id="{669028C3-67BD-4E48-BA5B-F1EC53E1D13C}"/>
+              </a:ext>
+            </a:extLst>
+          </p:cNvPr>
+          <p:cNvSpPr/>
+          <p:nvPr/>
+        </p:nvSpPr>
+        <p:spPr>
+          <a:xfrm>
+            <a:off x="2940733" y="2539013"/>
+            <a:ext cx="816745" cy="284086"/>
+          </a:xfrm>
+          <a:prstGeom prst="rightArrow">
+            <a:avLst/>
+          </a:prstGeom>
+          <a:solidFill>
+            <a:srgbClr val="00B050"/>
+          </a:solidFill>
+          <a:ln>
+            <a:solidFill>
+              <a:schemeClr val="tx1"/>
+            </a:solidFill>
+          </a:ln>
+        </p:spPr>
+        <p:style>
+          <a:lnRef idx="2">
+            <a:schemeClr val="accent1">
+              <a:shade val="50000"/>
+            </a:schemeClr>
+          </a:lnRef>
+          <a:fillRef idx="1">
+            <a:schemeClr val="accent1"/>
+          </a:fillRef>
+          <a:effectRef idx="0">
+            <a:schemeClr val="accent1"/>
+          </a:effectRef>
+          <a:fontRef idx="minor">
+            <a:schemeClr val="lt1"/>
+          </a:fontRef>
+        </p:style>
+        <p:txBody>
+          <a:bodyPr rtlCol="0" anchor="ctr"/>
+          <a:lstStyle/>
+          <a:p>
+            <a:pPr algn="ctr"/>
+            <a:endParaRPr lang="zh-TW" altLang="en-US"/>
+          </a:p>
+        </p:txBody>
+      </p:sp>
     </p:spTree>
     <p:extLst>
       <p:ext uri="{BB962C8B-B14F-4D97-AF65-F5344CB8AC3E}">
@@ -4482,6 +4590,60 @@
           </a:p>
         </p:txBody>
       </p:sp>
+      <p:sp>
+        <p:nvSpPr>
+          <p:cNvPr id="4" name="箭號: 向右 3">
+            <a:extLst>
+              <a:ext uri="{FF2B5EF4-FFF2-40B4-BE49-F238E27FC236}">
+                <a16:creationId xmlns:a16="http://schemas.microsoft.com/office/drawing/2014/main" id="{0CC22B5E-0AB3-43C6-AFE8-8418CC5B886C}"/>
+              </a:ext>
+            </a:extLst>
+          </p:cNvPr>
+          <p:cNvSpPr/>
+          <p:nvPr/>
+        </p:nvSpPr>
+        <p:spPr>
+          <a:xfrm>
+            <a:off x="1325124" y="3286956"/>
+            <a:ext cx="816745" cy="284086"/>
+          </a:xfrm>
+          <a:prstGeom prst="rightArrow">
+            <a:avLst/>
+          </a:prstGeom>
+          <a:solidFill>
+            <a:srgbClr val="00B050"/>
+          </a:solidFill>
+          <a:ln>
+            <a:solidFill>
+              <a:schemeClr val="tx1"/>
+            </a:solidFill>
+          </a:ln>
+        </p:spPr>
+        <p:style>
+          <a:lnRef idx="2">
+            <a:schemeClr val="accent1">
+              <a:shade val="50000"/>
+            </a:schemeClr>
+          </a:lnRef>
+          <a:fillRef idx="1">
+            <a:schemeClr val="accent1"/>
+          </a:fillRef>
+          <a:effectRef idx="0">
+            <a:schemeClr val="accent1"/>
+          </a:effectRef>
+          <a:fontRef idx="minor">
+            <a:schemeClr val="lt1"/>
+          </a:fontRef>
+        </p:style>
+        <p:txBody>
+          <a:bodyPr rtlCol="0" anchor="ctr"/>
+          <a:lstStyle/>
+          <a:p>
+            <a:pPr algn="ctr"/>
+            <a:endParaRPr lang="zh-TW" altLang="en-US"/>
+          </a:p>
+        </p:txBody>
+      </p:sp>
     </p:spTree>
     <p:extLst>
       <p:ext uri="{BB962C8B-B14F-4D97-AF65-F5344CB8AC3E}">
@@ -4612,6 +4774,60 @@
           </a:xfrm>
         </p:spPr>
       </p:pic>
+      <p:sp>
+        <p:nvSpPr>
+          <p:cNvPr id="2" name="箭號: 向右 1">
+            <a:extLst>
+              <a:ext uri="{FF2B5EF4-FFF2-40B4-BE49-F238E27FC236}">
+                <a16:creationId xmlns:a16="http://schemas.microsoft.com/office/drawing/2014/main" id="{B6263FBA-6C55-4701-9B2B-3E00BBE5A01A}"/>
+              </a:ext>
+            </a:extLst>
+          </p:cNvPr>
+          <p:cNvSpPr/>
+          <p:nvPr/>
+        </p:nvSpPr>
+        <p:spPr>
+          <a:xfrm>
+            <a:off x="2237173" y="2308194"/>
+            <a:ext cx="816745" cy="284086"/>
+          </a:xfrm>
+          <a:prstGeom prst="rightArrow">
+            <a:avLst/>
+          </a:prstGeom>
+          <a:solidFill>
+            <a:srgbClr val="00B050"/>
+          </a:solidFill>
+          <a:ln>
+            <a:solidFill>
+              <a:schemeClr val="tx1"/>
+            </a:solidFill>
+          </a:ln>
+        </p:spPr>
+        <p:style>
+          <a:lnRef idx="2">
+            <a:schemeClr val="accent1">
+              <a:shade val="50000"/>
+            </a:schemeClr>
+          </a:lnRef>
+          <a:fillRef idx="1">
+            <a:schemeClr val="accent1"/>
+          </a:fillRef>
+          <a:effectRef idx="0">
+            <a:schemeClr val="accent1"/>
+          </a:effectRef>
+          <a:fontRef idx="minor">
+            <a:schemeClr val="lt1"/>
+          </a:fontRef>
+        </p:style>
+        <p:txBody>
+          <a:bodyPr rtlCol="0" anchor="ctr"/>
+          <a:lstStyle/>
+          <a:p>
+            <a:pPr algn="ctr"/>
+            <a:endParaRPr lang="zh-TW" altLang="en-US"/>
+          </a:p>
+        </p:txBody>
+      </p:sp>
     </p:spTree>
     <p:extLst>
       <p:ext uri="{BB962C8B-B14F-4D97-AF65-F5344CB8AC3E}">
@@ -4742,6 +4958,60 @@
           </a:xfrm>
         </p:spPr>
       </p:pic>
+      <p:sp>
+        <p:nvSpPr>
+          <p:cNvPr id="3" name="箭號: 向右 2">
+            <a:extLst>
+              <a:ext uri="{FF2B5EF4-FFF2-40B4-BE49-F238E27FC236}">
+                <a16:creationId xmlns:a16="http://schemas.microsoft.com/office/drawing/2014/main" id="{AB64A533-EFEA-4C1F-BF5E-A145BD93361E}"/>
+              </a:ext>
+            </a:extLst>
+          </p:cNvPr>
+          <p:cNvSpPr/>
+          <p:nvPr/>
+        </p:nvSpPr>
+        <p:spPr>
+          <a:xfrm rot="5400000">
+            <a:off x="1987490" y="3055030"/>
+            <a:ext cx="463856" cy="284086"/>
+          </a:xfrm>
+          <a:prstGeom prst="rightArrow">
+            <a:avLst/>
+          </a:prstGeom>
+          <a:solidFill>
+            <a:srgbClr val="00B050"/>
+          </a:solidFill>
+          <a:ln>
+            <a:solidFill>
+              <a:schemeClr val="tx1"/>
+            </a:solidFill>
+          </a:ln>
+        </p:spPr>
+        <p:style>
+          <a:lnRef idx="2">
+            <a:schemeClr val="accent1">
+              <a:shade val="50000"/>
+            </a:schemeClr>
+          </a:lnRef>
+          <a:fillRef idx="1">
+            <a:schemeClr val="accent1"/>
+          </a:fillRef>
+          <a:effectRef idx="0">
+            <a:schemeClr val="accent1"/>
+          </a:effectRef>
+          <a:fontRef idx="minor">
+            <a:schemeClr val="lt1"/>
+          </a:fontRef>
+        </p:style>
+        <p:txBody>
+          <a:bodyPr rtlCol="0" anchor="ctr"/>
+          <a:lstStyle/>
+          <a:p>
+            <a:pPr algn="ctr"/>
+            <a:endParaRPr lang="zh-TW" altLang="en-US"/>
+          </a:p>
+        </p:txBody>
+      </p:sp>
     </p:spTree>
     <p:extLst>
       <p:ext uri="{BB962C8B-B14F-4D97-AF65-F5344CB8AC3E}">
@@ -6087,6 +6357,60 @@
           </a:xfrm>
         </p:spPr>
       </p:pic>
+      <p:sp>
+        <p:nvSpPr>
+          <p:cNvPr id="3" name="箭號: 向右 2">
+            <a:extLst>
+              <a:ext uri="{FF2B5EF4-FFF2-40B4-BE49-F238E27FC236}">
+                <a16:creationId xmlns:a16="http://schemas.microsoft.com/office/drawing/2014/main" id="{06FDBFF9-7A4F-47E2-940C-98F5900DEBCC}"/>
+              </a:ext>
+            </a:extLst>
+          </p:cNvPr>
+          <p:cNvSpPr/>
+          <p:nvPr/>
+        </p:nvSpPr>
+        <p:spPr>
+          <a:xfrm>
+            <a:off x="2429617" y="1757779"/>
+            <a:ext cx="816745" cy="284086"/>
+          </a:xfrm>
+          <a:prstGeom prst="rightArrow">
+            <a:avLst/>
+          </a:prstGeom>
+          <a:solidFill>
+            <a:srgbClr val="00B050"/>
+          </a:solidFill>
+          <a:ln>
+            <a:solidFill>
+              <a:schemeClr val="tx1"/>
+            </a:solidFill>
+          </a:ln>
+        </p:spPr>
+        <p:style>
+          <a:lnRef idx="2">
+            <a:schemeClr val="accent1">
+              <a:shade val="50000"/>
+            </a:schemeClr>
+          </a:lnRef>
+          <a:fillRef idx="1">
+            <a:schemeClr val="accent1"/>
+          </a:fillRef>
+          <a:effectRef idx="0">
+            <a:schemeClr val="accent1"/>
+          </a:effectRef>
+          <a:fontRef idx="minor">
+            <a:schemeClr val="lt1"/>
+          </a:fontRef>
+        </p:style>
+        <p:txBody>
+          <a:bodyPr rtlCol="0" anchor="ctr"/>
+          <a:lstStyle/>
+          <a:p>
+            <a:pPr algn="ctr"/>
+            <a:endParaRPr lang="zh-TW" altLang="en-US"/>
+          </a:p>
+        </p:txBody>
+      </p:sp>
     </p:spTree>
     <p:extLst>
       <p:ext uri="{BB962C8B-B14F-4D97-AF65-F5344CB8AC3E}">

--- a/簡報/07_賴彥廷_成發簡報.pptx
+++ b/簡報/07_賴彥廷_成發簡報.pptx
@@ -4741,10 +4741,10 @@
       </p:grpSpPr>
       <p:pic>
         <p:nvPicPr>
-          <p:cNvPr id="5" name="內容版面配置區 4">
+          <p:cNvPr id="7" name="內容版面配置區 6">
             <a:extLst>
               <a:ext uri="{FF2B5EF4-FFF2-40B4-BE49-F238E27FC236}">
-                <a16:creationId xmlns:a16="http://schemas.microsoft.com/office/drawing/2014/main" id="{5369B8A9-D185-4B2A-89A7-FBF5089EDF37}"/>
+                <a16:creationId xmlns:a16="http://schemas.microsoft.com/office/drawing/2014/main" id="{950DAEE0-3778-4F0D-A3D1-133EACEC8419}"/>
               </a:ext>
             </a:extLst>
           </p:cNvPr>
@@ -4769,8 +4769,8 @@
         </p:blipFill>
         <p:spPr>
           <a:xfrm>
-            <a:off x="3145668" y="269975"/>
-            <a:ext cx="5900664" cy="6318049"/>
+            <a:off x="3370662" y="372862"/>
+            <a:ext cx="5448162" cy="5772705"/>
           </a:xfrm>
         </p:spPr>
       </p:pic>
@@ -4788,7 +4788,7 @@
         </p:nvSpPr>
         <p:spPr>
           <a:xfrm>
-            <a:off x="2237173" y="2308194"/>
+            <a:off x="2962289" y="1313895"/>
             <a:ext cx="816745" cy="284086"/>
           </a:xfrm>
           <a:prstGeom prst="rightArrow">
@@ -4860,10 +4860,10 @@
       </p:grpSpPr>
       <p:pic>
         <p:nvPicPr>
-          <p:cNvPr id="5" name="內容版面配置區 4">
+          <p:cNvPr id="6" name="內容版面配置區 5">
             <a:extLst>
               <a:ext uri="{FF2B5EF4-FFF2-40B4-BE49-F238E27FC236}">
-                <a16:creationId xmlns:a16="http://schemas.microsoft.com/office/drawing/2014/main" id="{AA343310-D3EF-4CD8-97AD-17C067E41AFF}"/>
+                <a16:creationId xmlns:a16="http://schemas.microsoft.com/office/drawing/2014/main" id="{A06087E0-0988-4B50-9A90-1F240F22D175}"/>
               </a:ext>
             </a:extLst>
           </p:cNvPr>
@@ -4888,8 +4888,8 @@
         </p:blipFill>
         <p:spPr>
           <a:xfrm>
-            <a:off x="1165539" y="655616"/>
-            <a:ext cx="9860921" cy="5546768"/>
+            <a:off x="1311922" y="737956"/>
+            <a:ext cx="9568155" cy="5382087"/>
           </a:xfrm>
         </p:spPr>
       </p:pic>
@@ -4925,10 +4925,10 @@
       </p:grpSpPr>
       <p:pic>
         <p:nvPicPr>
-          <p:cNvPr id="5" name="內容版面配置區 4">
+          <p:cNvPr id="7" name="內容版面配置區 6">
             <a:extLst>
               <a:ext uri="{FF2B5EF4-FFF2-40B4-BE49-F238E27FC236}">
-                <a16:creationId xmlns:a16="http://schemas.microsoft.com/office/drawing/2014/main" id="{50381AF9-521E-4ED6-9188-CA665E0E5EFD}"/>
+                <a16:creationId xmlns:a16="http://schemas.microsoft.com/office/drawing/2014/main" id="{8F3E1CFC-A6E2-4A4C-8CAC-2740FC8EE983}"/>
               </a:ext>
             </a:extLst>
           </p:cNvPr>
@@ -4953,8 +4953,8 @@
         </p:blipFill>
         <p:spPr>
           <a:xfrm>
-            <a:off x="838200" y="1387209"/>
-            <a:ext cx="10515600" cy="4083582"/>
+            <a:off x="2077375" y="717156"/>
+            <a:ext cx="8033964" cy="5423688"/>
           </a:xfrm>
         </p:spPr>
       </p:pic>
@@ -4972,7 +4972,7 @@
         </p:nvSpPr>
         <p:spPr>
           <a:xfrm rot="5400000">
-            <a:off x="1987490" y="3055030"/>
+            <a:off x="2742092" y="1758890"/>
             <a:ext cx="463856" cy="284086"/>
           </a:xfrm>
           <a:prstGeom prst="rightArrow">
